--- a/14_MnistData.pptx
+++ b/14_MnistData.pptx
@@ -5,7 +5,7 @@
     <p:sldMasterId id="2147483648" r:id="rId1"/>
   </p:sldMasterIdLst>
   <p:notesMasterIdLst>
-    <p:notesMasterId r:id="rId25"/>
+    <p:notesMasterId r:id="rId23"/>
   </p:notesMasterIdLst>
   <p:sldIdLst>
     <p:sldId id="256" r:id="rId2"/>
@@ -28,9 +28,7 @@
     <p:sldId id="297" r:id="rId19"/>
     <p:sldId id="296" r:id="rId20"/>
     <p:sldId id="298" r:id="rId21"/>
-    <p:sldId id="271" r:id="rId22"/>
-    <p:sldId id="280" r:id="rId23"/>
-    <p:sldId id="259" r:id="rId24"/>
+    <p:sldId id="259" r:id="rId22"/>
   </p:sldIdLst>
   <p:sldSz cx="9144000" cy="6858000" type="screen4x3"/>
   <p:notesSz cx="6858000" cy="9144000"/>
@@ -8787,659 +8785,6 @@
             <a:off x="0" y="2130425"/>
             <a:ext cx="9144000" cy="1470025"/>
           </a:xfrm>
-          <a:solidFill>
-            <a:srgbClr val="00B0F0"/>
-          </a:solidFill>
-        </p:spPr>
-        <p:txBody>
-          <a:bodyPr>
-            <a:normAutofit/>
-          </a:bodyPr>
-          <a:lstStyle/>
-          <a:p>
-            <a:r>
-              <a:rPr lang="en-US" altLang="zh-TW" sz="4800" b="1" dirty="0">
-                <a:solidFill>
-                  <a:srgbClr val="FFFF00"/>
-                </a:solidFill>
-              </a:rPr>
-              <a:t>14.1 Reduction: sum, </a:t>
-            </a:r>
-            <a:r>
-              <a:rPr lang="en-US" altLang="zh-TW" sz="4800" b="1" dirty="0" err="1">
-                <a:solidFill>
-                  <a:srgbClr val="FFFF00"/>
-                </a:solidFill>
-              </a:rPr>
-              <a:t>numel</a:t>
-            </a:r>
-            <a:endParaRPr lang="zh-TW" altLang="en-US" sz="4800" b="1" dirty="0">
-              <a:solidFill>
-                <a:srgbClr val="FFFF00"/>
-              </a:solidFill>
-            </a:endParaRPr>
-          </a:p>
-        </p:txBody>
-      </p:sp>
-      <p:sp>
-        <p:nvSpPr>
-          <p:cNvPr id="5" name="日期版面配置區 4"/>
-          <p:cNvSpPr>
-            <a:spLocks noGrp="1"/>
-          </p:cNvSpPr>
-          <p:nvPr>
-            <p:ph type="dt" sz="half" idx="10"/>
-          </p:nvPr>
-        </p:nvSpPr>
-        <p:spPr/>
-        <p:txBody>
-          <a:bodyPr/>
-          <a:lstStyle/>
-          <a:p>
-            <a:fld id="{C389EDC9-19E3-47AC-9C57-C6A24DEA81AD}" type="datetime1">
-              <a:rPr lang="zh-TW" altLang="en-US" smtClean="0"/>
-              <a:pPr/>
-              <a:t>2020/5/27</a:t>
-            </a:fld>
-            <a:endParaRPr lang="zh-TW" altLang="en-US"/>
-          </a:p>
-        </p:txBody>
-      </p:sp>
-      <p:sp>
-        <p:nvSpPr>
-          <p:cNvPr id="6" name="投影片編號版面配置區 5"/>
-          <p:cNvSpPr>
-            <a:spLocks noGrp="1"/>
-          </p:cNvSpPr>
-          <p:nvPr>
-            <p:ph type="sldNum" sz="quarter" idx="12"/>
-          </p:nvPr>
-        </p:nvSpPr>
-        <p:spPr/>
-        <p:txBody>
-          <a:bodyPr/>
-          <a:lstStyle/>
-          <a:p>
-            <a:fld id="{E4D7E63D-91F2-4366-A2C4-1B00C9E2590E}" type="slidenum">
-              <a:rPr lang="zh-TW" altLang="en-US" smtClean="0"/>
-              <a:pPr/>
-              <a:t>21</a:t>
-            </a:fld>
-            <a:endParaRPr lang="zh-TW" altLang="en-US"/>
-          </a:p>
-        </p:txBody>
-      </p:sp>
-      <p:pic>
-        <p:nvPicPr>
-          <p:cNvPr id="7" name="Picture 6">
-            <a:extLst>
-              <a:ext uri="{FF2B5EF4-FFF2-40B4-BE49-F238E27FC236}">
-                <a16:creationId xmlns:a16="http://schemas.microsoft.com/office/drawing/2014/main" id="{6036082F-9FF3-4FD3-AAB6-79929EA80D69}"/>
-              </a:ext>
-            </a:extLst>
-          </p:cNvPr>
-          <p:cNvPicPr>
-            <a:picLocks noChangeAspect="1"/>
-          </p:cNvPicPr>
-          <p:nvPr/>
-        </p:nvPicPr>
-        <p:blipFill>
-          <a:blip r:embed="rId2"/>
-          <a:stretch>
-            <a:fillRect/>
-          </a:stretch>
-        </p:blipFill>
-        <p:spPr>
-          <a:xfrm>
-            <a:off x="3995936" y="3646102"/>
-            <a:ext cx="833859" cy="989784"/>
-          </a:xfrm>
-          <a:prstGeom prst="rect">
-            <a:avLst/>
-          </a:prstGeom>
-        </p:spPr>
-      </p:pic>
-    </p:spTree>
-    <p:extLst>
-      <p:ext uri="{BB962C8B-B14F-4D97-AF65-F5344CB8AC3E}">
-        <p14:creationId xmlns:p14="http://schemas.microsoft.com/office/powerpoint/2010/main" val="2143757513"/>
-      </p:ext>
-    </p:extLst>
-  </p:cSld>
-  <p:clrMapOvr>
-    <a:masterClrMapping/>
-  </p:clrMapOvr>
-</p:sld>
-</file>
-
-<file path=ppt/slides/slide22.xml><?xml version="1.0" encoding="utf-8"?>
-<p:sld xmlns:a="http://schemas.openxmlformats.org/drawingml/2006/main" xmlns:r="http://schemas.openxmlformats.org/officeDocument/2006/relationships" xmlns:p="http://schemas.openxmlformats.org/presentationml/2006/main">
-  <p:cSld>
-    <p:spTree>
-      <p:nvGrpSpPr>
-        <p:cNvPr id="1" name=""/>
-        <p:cNvGrpSpPr/>
-        <p:nvPr/>
-      </p:nvGrpSpPr>
-      <p:grpSpPr>
-        <a:xfrm>
-          <a:off x="0" y="0"/>
-          <a:ext cx="0" cy="0"/>
-          <a:chOff x="0" y="0"/>
-          <a:chExt cx="0" cy="0"/>
-        </a:xfrm>
-      </p:grpSpPr>
-      <p:sp>
-        <p:nvSpPr>
-          <p:cNvPr id="2" name="標題 1"/>
-          <p:cNvSpPr>
-            <a:spLocks noGrp="1"/>
-          </p:cNvSpPr>
-          <p:nvPr>
-            <p:ph type="ctrTitle"/>
-          </p:nvPr>
-        </p:nvSpPr>
-        <p:spPr>
-          <a:xfrm>
-            <a:off x="0" y="1"/>
-            <a:ext cx="9144000" cy="764704"/>
-          </a:xfrm>
-          <a:gradFill flip="none" rotWithShape="1">
-            <a:gsLst>
-              <a:gs pos="0">
-                <a:srgbClr val="C00000">
-                  <a:shade val="30000"/>
-                  <a:satMod val="115000"/>
-                </a:srgbClr>
-              </a:gs>
-              <a:gs pos="50000">
-                <a:srgbClr val="C00000">
-                  <a:shade val="67500"/>
-                  <a:satMod val="115000"/>
-                </a:srgbClr>
-              </a:gs>
-              <a:gs pos="100000">
-                <a:srgbClr val="C00000">
-                  <a:shade val="100000"/>
-                  <a:satMod val="115000"/>
-                </a:srgbClr>
-              </a:gs>
-            </a:gsLst>
-            <a:path path="circle">
-              <a:fillToRect t="100000" r="100000"/>
-            </a:path>
-            <a:tileRect l="-100000" b="-100000"/>
-          </a:gradFill>
-        </p:spPr>
-        <p:txBody>
-          <a:bodyPr>
-            <a:normAutofit/>
-          </a:bodyPr>
-          <a:lstStyle/>
-          <a:p>
-            <a:pPr algn="l"/>
-            <a:r>
-              <a:rPr lang="en-US" altLang="zh-TW" b="1" dirty="0">
-                <a:solidFill>
-                  <a:srgbClr val="FFFF00"/>
-                </a:solidFill>
-              </a:rPr>
-              <a:t>14.1 Reduction: sum, </a:t>
-            </a:r>
-            <a:r>
-              <a:rPr lang="en-US" altLang="zh-TW" b="1" dirty="0" err="1">
-                <a:solidFill>
-                  <a:srgbClr val="FFFF00"/>
-                </a:solidFill>
-              </a:rPr>
-              <a:t>numel</a:t>
-            </a:r>
-            <a:endParaRPr lang="zh-TW" altLang="en-US" b="1" dirty="0">
-              <a:solidFill>
-                <a:srgbClr val="FFFF00"/>
-              </a:solidFill>
-            </a:endParaRPr>
-          </a:p>
-        </p:txBody>
-      </p:sp>
-      <p:sp>
-        <p:nvSpPr>
-          <p:cNvPr id="3" name="副標題 2"/>
-          <p:cNvSpPr>
-            <a:spLocks noGrp="1"/>
-          </p:cNvSpPr>
-          <p:nvPr>
-            <p:ph type="subTitle" idx="1"/>
-          </p:nvPr>
-        </p:nvSpPr>
-        <p:spPr>
-          <a:xfrm>
-            <a:off x="455591" y="1256086"/>
-            <a:ext cx="3972393" cy="4333154"/>
-          </a:xfrm>
-          <a:ln>
-            <a:solidFill>
-              <a:srgbClr val="C00000"/>
-            </a:solidFill>
-          </a:ln>
-        </p:spPr>
-        <p:txBody>
-          <a:bodyPr>
-            <a:noAutofit/>
-          </a:bodyPr>
-          <a:lstStyle/>
-          <a:p>
-            <a:pPr marL="342900" indent="-342900" algn="l">
-              <a:buClr>
-                <a:srgbClr val="0070C0"/>
-              </a:buClr>
-              <a:buSzPct val="80000"/>
-              <a:buFont typeface="Wingdings" pitchFamily="2" charset="2"/>
-              <a:buChar char="u"/>
-            </a:pPr>
-            <a:r>
-              <a:rPr lang="en-US" sz="1800" b="1" dirty="0">
-                <a:solidFill>
-                  <a:schemeClr val="tx1"/>
-                </a:solidFill>
-              </a:rPr>
-              <a:t>Reduction Operation</a:t>
-            </a:r>
-          </a:p>
-          <a:p>
-            <a:pPr marL="342900" indent="-342900" algn="l">
-              <a:buClr>
-                <a:srgbClr val="0070C0"/>
-              </a:buClr>
-              <a:buSzPct val="80000"/>
-              <a:buFont typeface="Wingdings" pitchFamily="2" charset="2"/>
-              <a:buChar char="u"/>
-            </a:pPr>
-            <a:r>
-              <a:rPr lang="en-US" sz="1800" dirty="0">
-                <a:solidFill>
-                  <a:schemeClr val="tx1"/>
-                </a:solidFill>
-              </a:rPr>
-              <a:t>&gt; import torch</a:t>
-            </a:r>
-          </a:p>
-          <a:p>
-            <a:pPr marL="342900" indent="-342900" algn="l">
-              <a:buClr>
-                <a:srgbClr val="0070C0"/>
-              </a:buClr>
-              <a:buSzPct val="80000"/>
-              <a:buFont typeface="Wingdings" pitchFamily="2" charset="2"/>
-              <a:buChar char="u"/>
-            </a:pPr>
-            <a:r>
-              <a:rPr lang="en-US" sz="1800" dirty="0">
-                <a:solidFill>
-                  <a:schemeClr val="tx1"/>
-                </a:solidFill>
-              </a:rPr>
-              <a:t>&gt; import </a:t>
-            </a:r>
-            <a:r>
-              <a:rPr lang="en-US" sz="1800" dirty="0" err="1">
-                <a:solidFill>
-                  <a:schemeClr val="tx1"/>
-                </a:solidFill>
-              </a:rPr>
-              <a:t>numpy</a:t>
-            </a:r>
-            <a:r>
-              <a:rPr lang="en-US" sz="1800" dirty="0">
-                <a:solidFill>
-                  <a:schemeClr val="tx1"/>
-                </a:solidFill>
-              </a:rPr>
-              <a:t> as np</a:t>
-            </a:r>
-          </a:p>
-          <a:p>
-            <a:pPr marL="342900" indent="-342900" algn="l">
-              <a:buClr>
-                <a:srgbClr val="0070C0"/>
-              </a:buClr>
-              <a:buSzPct val="80000"/>
-              <a:buFont typeface="Wingdings" pitchFamily="2" charset="2"/>
-              <a:buChar char="u"/>
-            </a:pPr>
-            <a:r>
-              <a:rPr lang="en-US" sz="1800" dirty="0">
-                <a:solidFill>
-                  <a:schemeClr val="tx1"/>
-                </a:solidFill>
-              </a:rPr>
-              <a:t>&gt; # 3 x3 tensor </a:t>
-            </a:r>
-          </a:p>
-          <a:p>
-            <a:pPr marL="342900" indent="-342900" algn="l">
-              <a:buClr>
-                <a:srgbClr val="0070C0"/>
-              </a:buClr>
-              <a:buSzPct val="80000"/>
-              <a:buFont typeface="Wingdings" pitchFamily="2" charset="2"/>
-              <a:buChar char="u"/>
-            </a:pPr>
-            <a:r>
-              <a:rPr lang="en-US" sz="1800" dirty="0">
-                <a:solidFill>
-                  <a:schemeClr val="tx1"/>
-                </a:solidFill>
-              </a:rPr>
-              <a:t>&gt; t = </a:t>
-            </a:r>
-            <a:r>
-              <a:rPr lang="en-US" sz="1800" dirty="0" err="1">
-                <a:solidFill>
-                  <a:schemeClr val="tx1"/>
-                </a:solidFill>
-              </a:rPr>
-              <a:t>torch.tensor</a:t>
-            </a:r>
-            <a:r>
-              <a:rPr lang="en-US" sz="1800" dirty="0">
-                <a:solidFill>
-                  <a:schemeClr val="tx1"/>
-                </a:solidFill>
-              </a:rPr>
-              <a:t> ([</a:t>
-            </a:r>
-          </a:p>
-          <a:p>
-            <a:pPr marL="342900" indent="-342900" algn="l">
-              <a:buClr>
-                <a:srgbClr val="0070C0"/>
-              </a:buClr>
-              <a:buSzPct val="80000"/>
-              <a:buFont typeface="Wingdings" pitchFamily="2" charset="2"/>
-              <a:buChar char="u"/>
-            </a:pPr>
-            <a:r>
-              <a:rPr lang="en-US" sz="1800" dirty="0">
-                <a:solidFill>
-                  <a:schemeClr val="tx1"/>
-                </a:solidFill>
-              </a:rPr>
-              <a:t>&gt;	[0,1,0],</a:t>
-            </a:r>
-          </a:p>
-          <a:p>
-            <a:pPr marL="342900" indent="-342900" algn="l">
-              <a:buClr>
-                <a:srgbClr val="0070C0"/>
-              </a:buClr>
-              <a:buSzPct val="80000"/>
-              <a:buFont typeface="Wingdings" pitchFamily="2" charset="2"/>
-              <a:buChar char="u"/>
-            </a:pPr>
-            <a:r>
-              <a:rPr lang="en-US" sz="1800" dirty="0">
-                <a:solidFill>
-                  <a:schemeClr val="tx1"/>
-                </a:solidFill>
-              </a:rPr>
-              <a:t>&gt;	[2,0,2],</a:t>
-            </a:r>
-          </a:p>
-          <a:p>
-            <a:pPr marL="342900" indent="-342900" algn="l">
-              <a:buClr>
-                <a:srgbClr val="0070C0"/>
-              </a:buClr>
-              <a:buSzPct val="80000"/>
-              <a:buFont typeface="Wingdings" pitchFamily="2" charset="2"/>
-              <a:buChar char="u"/>
-            </a:pPr>
-            <a:r>
-              <a:rPr lang="en-US" sz="1800" dirty="0">
-                <a:solidFill>
-                  <a:schemeClr val="tx1"/>
-                </a:solidFill>
-              </a:rPr>
-              <a:t>&gt;	[0,3,0}</a:t>
-            </a:r>
-          </a:p>
-          <a:p>
-            <a:pPr marL="342900" indent="-342900" algn="l">
-              <a:buClr>
-                <a:srgbClr val="0070C0"/>
-              </a:buClr>
-              <a:buSzPct val="80000"/>
-              <a:buFont typeface="Wingdings" pitchFamily="2" charset="2"/>
-              <a:buChar char="u"/>
-            </a:pPr>
-            <a:r>
-              <a:rPr lang="en-US" sz="1800" dirty="0">
-                <a:solidFill>
-                  <a:schemeClr val="tx1"/>
-                </a:solidFill>
-              </a:rPr>
-              <a:t>&gt;],</a:t>
-            </a:r>
-            <a:r>
-              <a:rPr lang="en-US" sz="1800" dirty="0" err="1">
-                <a:solidFill>
-                  <a:schemeClr val="tx1"/>
-                </a:solidFill>
-              </a:rPr>
-              <a:t>dtype</a:t>
-            </a:r>
-            <a:r>
-              <a:rPr lang="en-US" sz="1800" dirty="0">
-                <a:solidFill>
-                  <a:schemeClr val="tx1"/>
-                </a:solidFill>
-              </a:rPr>
-              <a:t>=torch.float32)</a:t>
-            </a:r>
-          </a:p>
-          <a:p>
-            <a:pPr marL="342900" indent="-342900" algn="l">
-              <a:buClr>
-                <a:srgbClr val="0070C0"/>
-              </a:buClr>
-              <a:buSzPct val="80000"/>
-              <a:buFont typeface="Wingdings" pitchFamily="2" charset="2"/>
-              <a:buChar char="u"/>
-            </a:pPr>
-            <a:r>
-              <a:rPr lang="en-US" sz="1800" dirty="0">
-                <a:solidFill>
-                  <a:schemeClr val="tx1"/>
-                </a:solidFill>
-              </a:rPr>
-              <a:t>&gt; </a:t>
-            </a:r>
-            <a:r>
-              <a:rPr lang="en-US" sz="1800" dirty="0" err="1">
-                <a:solidFill>
-                  <a:schemeClr val="tx1"/>
-                </a:solidFill>
-              </a:rPr>
-              <a:t>t.sum</a:t>
-            </a:r>
-            <a:r>
-              <a:rPr lang="en-US" sz="1800" dirty="0">
-                <a:solidFill>
-                  <a:schemeClr val="tx1"/>
-                </a:solidFill>
-              </a:rPr>
-              <a:t>()	# tensor(8.0)</a:t>
-            </a:r>
-          </a:p>
-          <a:p>
-            <a:pPr marL="342900" indent="-342900" algn="l">
-              <a:buClr>
-                <a:srgbClr val="0070C0"/>
-              </a:buClr>
-              <a:buSzPct val="80000"/>
-              <a:buFont typeface="Wingdings" pitchFamily="2" charset="2"/>
-              <a:buChar char="u"/>
-            </a:pPr>
-            <a:r>
-              <a:rPr lang="en-US" sz="1800" dirty="0">
-                <a:solidFill>
-                  <a:schemeClr val="tx1"/>
-                </a:solidFill>
-              </a:rPr>
-              <a:t>&gt; </a:t>
-            </a:r>
-            <a:r>
-              <a:rPr lang="en-US" sz="1800" dirty="0" err="1">
-                <a:solidFill>
-                  <a:schemeClr val="tx1"/>
-                </a:solidFill>
-              </a:rPr>
-              <a:t>t.numel</a:t>
-            </a:r>
-            <a:r>
-              <a:rPr lang="en-US" sz="1800" dirty="0">
-                <a:solidFill>
-                  <a:schemeClr val="tx1"/>
-                </a:solidFill>
-              </a:rPr>
-              <a:t>()	# 9</a:t>
-            </a:r>
-          </a:p>
-          <a:p>
-            <a:pPr marL="342900" indent="-342900" algn="l">
-              <a:buClr>
-                <a:srgbClr val="0070C0"/>
-              </a:buClr>
-              <a:buSzPct val="80000"/>
-              <a:buFont typeface="Wingdings" pitchFamily="2" charset="2"/>
-              <a:buChar char="u"/>
-            </a:pPr>
-            <a:r>
-              <a:rPr lang="en-US" sz="1800" dirty="0">
-                <a:solidFill>
-                  <a:schemeClr val="tx1"/>
-                </a:solidFill>
-              </a:rPr>
-              <a:t>&gt; </a:t>
-            </a:r>
-            <a:r>
-              <a:rPr lang="en-US" sz="1800" dirty="0" err="1">
-                <a:solidFill>
-                  <a:schemeClr val="tx1"/>
-                </a:solidFill>
-              </a:rPr>
-              <a:t>t.sum</a:t>
-            </a:r>
-            <a:r>
-              <a:rPr lang="en-US" sz="1800" dirty="0">
-                <a:solidFill>
-                  <a:schemeClr val="tx1"/>
-                </a:solidFill>
-              </a:rPr>
-              <a:t>().</a:t>
-            </a:r>
-            <a:r>
-              <a:rPr lang="en-US" sz="1800" dirty="0" err="1">
-                <a:solidFill>
-                  <a:schemeClr val="tx1"/>
-                </a:solidFill>
-              </a:rPr>
-              <a:t>numel</a:t>
-            </a:r>
-            <a:r>
-              <a:rPr lang="en-US" sz="1800" dirty="0">
-                <a:solidFill>
-                  <a:schemeClr val="tx1"/>
-                </a:solidFill>
-              </a:rPr>
-              <a:t>() 	# 1</a:t>
-            </a:r>
-          </a:p>
-          <a:p>
-            <a:pPr marL="342900" indent="-342900" algn="l">
-              <a:buClr>
-                <a:srgbClr val="0070C0"/>
-              </a:buClr>
-              <a:buSzPct val="80000"/>
-              <a:buFont typeface="Wingdings" pitchFamily="2" charset="2"/>
-              <a:buChar char="u"/>
-            </a:pPr>
-            <a:r>
-              <a:rPr lang="en-US" sz="1800" dirty="0">
-                <a:solidFill>
-                  <a:schemeClr val="tx1"/>
-                </a:solidFill>
-              </a:rPr>
-              <a:t>&gt; </a:t>
-            </a:r>
-            <a:r>
-              <a:rPr lang="en-US" sz="1800" dirty="0" err="1">
-                <a:solidFill>
-                  <a:schemeClr val="tx1"/>
-                </a:solidFill>
-              </a:rPr>
-              <a:t>t.sum</a:t>
-            </a:r>
-            <a:r>
-              <a:rPr lang="en-US" sz="1800" dirty="0">
-                <a:solidFill>
-                  <a:schemeClr val="tx1"/>
-                </a:solidFill>
-              </a:rPr>
-              <a:t>().</a:t>
-            </a:r>
-            <a:r>
-              <a:rPr lang="en-US" sz="1800" dirty="0" err="1">
-                <a:solidFill>
-                  <a:schemeClr val="tx1"/>
-                </a:solidFill>
-              </a:rPr>
-              <a:t>numel</a:t>
-            </a:r>
-            <a:r>
-              <a:rPr lang="en-US" sz="1800" dirty="0">
-                <a:solidFill>
-                  <a:schemeClr val="tx1"/>
-                </a:solidFill>
-              </a:rPr>
-              <a:t>() &lt; </a:t>
-            </a:r>
-            <a:r>
-              <a:rPr lang="en-US" sz="1800" dirty="0" err="1">
-                <a:solidFill>
-                  <a:schemeClr val="tx1"/>
-                </a:solidFill>
-              </a:rPr>
-              <a:t>t.numel</a:t>
-            </a:r>
-            <a:r>
-              <a:rPr lang="en-US" sz="1800" dirty="0">
-                <a:solidFill>
-                  <a:schemeClr val="tx1"/>
-                </a:solidFill>
-              </a:rPr>
-              <a:t>() # True</a:t>
-            </a:r>
-          </a:p>
-        </p:txBody>
-      </p:sp>
-      <p:sp>
-        <p:nvSpPr>
-          <p:cNvPr id="4" name="標題 1"/>
-          <p:cNvSpPr txBox="1">
-            <a:spLocks/>
-          </p:cNvSpPr>
-          <p:nvPr/>
-        </p:nvSpPr>
-        <p:spPr>
-          <a:xfrm>
-            <a:off x="0" y="764704"/>
-            <a:ext cx="9144000" cy="360040"/>
-          </a:xfrm>
-          <a:prstGeom prst="rect">
-            <a:avLst/>
-          </a:prstGeom>
           <a:gradFill flip="none" rotWithShape="1">
             <a:gsLst>
               <a:gs pos="0">
@@ -9468,217 +8813,6 @@
           </a:gradFill>
         </p:spPr>
         <p:txBody>
-          <a:bodyPr vert="horz" lIns="91440" tIns="45720" rIns="91440" bIns="45720" rtlCol="0" anchor="ctr">
-            <a:normAutofit/>
-          </a:bodyPr>
-          <a:lstStyle/>
-          <a:p>
-            <a:pPr lvl="0">
-              <a:spcBef>
-                <a:spcPct val="0"/>
-              </a:spcBef>
-            </a:pPr>
-            <a:r>
-              <a:rPr lang="en-US" sz="1600" dirty="0">
-                <a:hlinkClick r:id="rId2"/>
-              </a:rPr>
-              <a:t>https://www.youtube.com/watch?v=EqpzfvxBx30&amp;list=PLZbbT5o_s2xrfNyHZsM6ufI0iZENK9xgG&amp;index=14</a:t>
-            </a:r>
-            <a:endParaRPr lang="zh-TW" altLang="en-US" sz="1600" dirty="0"/>
-          </a:p>
-        </p:txBody>
-      </p:sp>
-      <p:sp>
-        <p:nvSpPr>
-          <p:cNvPr id="5" name="日期版面配置區 4"/>
-          <p:cNvSpPr>
-            <a:spLocks noGrp="1"/>
-          </p:cNvSpPr>
-          <p:nvPr>
-            <p:ph type="dt" sz="half" idx="10"/>
-          </p:nvPr>
-        </p:nvSpPr>
-        <p:spPr/>
-        <p:txBody>
-          <a:bodyPr/>
-          <a:lstStyle/>
-          <a:p>
-            <a:fld id="{A4F910E6-8D00-4BAF-8C48-9688E0B449D3}" type="datetime1">
-              <a:rPr lang="zh-TW" altLang="en-US" smtClean="0"/>
-              <a:pPr/>
-              <a:t>2020/5/27</a:t>
-            </a:fld>
-            <a:endParaRPr lang="zh-TW" altLang="en-US"/>
-          </a:p>
-        </p:txBody>
-      </p:sp>
-      <p:sp>
-        <p:nvSpPr>
-          <p:cNvPr id="6" name="投影片編號版面配置區 5"/>
-          <p:cNvSpPr>
-            <a:spLocks noGrp="1"/>
-          </p:cNvSpPr>
-          <p:nvPr>
-            <p:ph type="sldNum" sz="quarter" idx="12"/>
-          </p:nvPr>
-        </p:nvSpPr>
-        <p:spPr/>
-        <p:txBody>
-          <a:bodyPr/>
-          <a:lstStyle/>
-          <a:p>
-            <a:fld id="{E4D7E63D-91F2-4366-A2C4-1B00C9E2590E}" type="slidenum">
-              <a:rPr lang="zh-TW" altLang="en-US" smtClean="0"/>
-              <a:pPr/>
-              <a:t>22</a:t>
-            </a:fld>
-            <a:endParaRPr lang="zh-TW" altLang="en-US"/>
-          </a:p>
-        </p:txBody>
-      </p:sp>
-      <p:pic>
-        <p:nvPicPr>
-          <p:cNvPr id="9" name="Picture 8">
-            <a:extLst>
-              <a:ext uri="{FF2B5EF4-FFF2-40B4-BE49-F238E27FC236}">
-                <a16:creationId xmlns:a16="http://schemas.microsoft.com/office/drawing/2014/main" id="{00DD6345-D8BB-4CE1-960F-AA63B45C0818}"/>
-              </a:ext>
-            </a:extLst>
-          </p:cNvPr>
-          <p:cNvPicPr>
-            <a:picLocks noChangeAspect="1"/>
-          </p:cNvPicPr>
-          <p:nvPr/>
-        </p:nvPicPr>
-        <p:blipFill>
-          <a:blip r:embed="rId3"/>
-          <a:stretch>
-            <a:fillRect/>
-          </a:stretch>
-        </p:blipFill>
-        <p:spPr>
-          <a:xfrm>
-            <a:off x="4997096" y="4678302"/>
-            <a:ext cx="2066925" cy="1704975"/>
-          </a:xfrm>
-          <a:prstGeom prst="rect">
-            <a:avLst/>
-          </a:prstGeom>
-          <a:ln>
-            <a:solidFill>
-              <a:srgbClr val="C00000"/>
-            </a:solidFill>
-          </a:ln>
-        </p:spPr>
-      </p:pic>
-      <p:pic>
-        <p:nvPicPr>
-          <p:cNvPr id="10" name="Picture 9">
-            <a:extLst>
-              <a:ext uri="{FF2B5EF4-FFF2-40B4-BE49-F238E27FC236}">
-                <a16:creationId xmlns:a16="http://schemas.microsoft.com/office/drawing/2014/main" id="{71A24FD8-43B6-448A-A1D9-4D116EF8EA48}"/>
-              </a:ext>
-            </a:extLst>
-          </p:cNvPr>
-          <p:cNvPicPr>
-            <a:picLocks noChangeAspect="1"/>
-          </p:cNvPicPr>
-          <p:nvPr/>
-        </p:nvPicPr>
-        <p:blipFill>
-          <a:blip r:embed="rId4"/>
-          <a:stretch>
-            <a:fillRect/>
-          </a:stretch>
-        </p:blipFill>
-        <p:spPr>
-          <a:xfrm>
-            <a:off x="4997096" y="1090827"/>
-            <a:ext cx="3695700" cy="3467100"/>
-          </a:xfrm>
-          <a:prstGeom prst="rect">
-            <a:avLst/>
-          </a:prstGeom>
-          <a:ln>
-            <a:solidFill>
-              <a:srgbClr val="C00000"/>
-            </a:solidFill>
-          </a:ln>
-        </p:spPr>
-      </p:pic>
-    </p:spTree>
-    <p:extLst>
-      <p:ext uri="{BB962C8B-B14F-4D97-AF65-F5344CB8AC3E}">
-        <p14:creationId xmlns:p14="http://schemas.microsoft.com/office/powerpoint/2010/main" val="1909226857"/>
-      </p:ext>
-    </p:extLst>
-  </p:cSld>
-  <p:clrMapOvr>
-    <a:masterClrMapping/>
-  </p:clrMapOvr>
-</p:sld>
-</file>
-
-<file path=ppt/slides/slide23.xml><?xml version="1.0" encoding="utf-8"?>
-<p:sld xmlns:a="http://schemas.openxmlformats.org/drawingml/2006/main" xmlns:r="http://schemas.openxmlformats.org/officeDocument/2006/relationships" xmlns:p="http://schemas.openxmlformats.org/presentationml/2006/main">
-  <p:cSld>
-    <p:spTree>
-      <p:nvGrpSpPr>
-        <p:cNvPr id="1" name=""/>
-        <p:cNvGrpSpPr/>
-        <p:nvPr/>
-      </p:nvGrpSpPr>
-      <p:grpSpPr>
-        <a:xfrm>
-          <a:off x="0" y="0"/>
-          <a:ext cx="0" cy="0"/>
-          <a:chOff x="0" y="0"/>
-          <a:chExt cx="0" cy="0"/>
-        </a:xfrm>
-      </p:grpSpPr>
-      <p:sp>
-        <p:nvSpPr>
-          <p:cNvPr id="2" name="標題 1"/>
-          <p:cNvSpPr>
-            <a:spLocks noGrp="1"/>
-          </p:cNvSpPr>
-          <p:nvPr>
-            <p:ph type="ctrTitle"/>
-          </p:nvPr>
-        </p:nvSpPr>
-        <p:spPr>
-          <a:xfrm>
-            <a:off x="0" y="2130425"/>
-            <a:ext cx="9144000" cy="1470025"/>
-          </a:xfrm>
-          <a:gradFill flip="none" rotWithShape="1">
-            <a:gsLst>
-              <a:gs pos="0">
-                <a:srgbClr val="00B0F0">
-                  <a:shade val="30000"/>
-                  <a:satMod val="115000"/>
-                </a:srgbClr>
-              </a:gs>
-              <a:gs pos="50000">
-                <a:srgbClr val="00B0F0">
-                  <a:shade val="67500"/>
-                  <a:satMod val="115000"/>
-                </a:srgbClr>
-              </a:gs>
-              <a:gs pos="100000">
-                <a:srgbClr val="00B0F0">
-                  <a:shade val="100000"/>
-                  <a:satMod val="115000"/>
-                </a:srgbClr>
-              </a:gs>
-            </a:gsLst>
-            <a:path path="circle">
-              <a:fillToRect t="100000" r="100000"/>
-            </a:path>
-            <a:tileRect l="-100000" b="-100000"/>
-          </a:gradFill>
-        </p:spPr>
-        <p:txBody>
           <a:bodyPr>
             <a:normAutofit/>
           </a:bodyPr>
@@ -9742,7 +8876,7 @@
             <a:fld id="{E4D7E63D-91F2-4366-A2C4-1B00C9E2590E}" type="slidenum">
               <a:rPr lang="zh-TW" altLang="en-US" smtClean="0"/>
               <a:pPr/>
-              <a:t>23</a:t>
+              <a:t>21</a:t>
             </a:fld>
             <a:endParaRPr lang="zh-TW" altLang="en-US"/>
           </a:p>

--- a/14_MnistData.pptx
+++ b/14_MnistData.pptx
@@ -5,7 +5,7 @@
     <p:sldMasterId id="2147483648" r:id="rId1"/>
   </p:sldMasterIdLst>
   <p:notesMasterIdLst>
-    <p:notesMasterId r:id="rId23"/>
+    <p:notesMasterId r:id="rId27"/>
   </p:notesMasterIdLst>
   <p:sldIdLst>
     <p:sldId id="256" r:id="rId2"/>
@@ -28,7 +28,11 @@
     <p:sldId id="297" r:id="rId19"/>
     <p:sldId id="296" r:id="rId20"/>
     <p:sldId id="298" r:id="rId21"/>
-    <p:sldId id="259" r:id="rId22"/>
+    <p:sldId id="299" r:id="rId22"/>
+    <p:sldId id="300" r:id="rId23"/>
+    <p:sldId id="301" r:id="rId24"/>
+    <p:sldId id="302" r:id="rId25"/>
+    <p:sldId id="259" r:id="rId26"/>
   </p:sldIdLst>
   <p:sldSz cx="9144000" cy="6858000" type="screen4x3"/>
   <p:notesSz cx="6858000" cy="9144000"/>
@@ -229,7 +233,7 @@
             <a:fld id="{6837EDA8-41C8-4B24-A206-13C08A65A6D7}" type="datetimeFigureOut">
               <a:rPr lang="zh-TW" altLang="en-US" smtClean="0"/>
               <a:pPr/>
-              <a:t>2020/5/27</a:t>
+              <a:t>2020/5/30</a:t>
             </a:fld>
             <a:endParaRPr lang="zh-TW" altLang="en-US"/>
           </a:p>
@@ -682,7 +686,7 @@
             <a:fld id="{8B85509C-BD4F-47BF-9B1E-FC2E949B3621}" type="datetime1">
               <a:rPr lang="zh-TW" altLang="en-US" smtClean="0"/>
               <a:pPr/>
-              <a:t>2020/5/27</a:t>
+              <a:t>2020/5/30</a:t>
             </a:fld>
             <a:endParaRPr lang="zh-TW" altLang="en-US"/>
           </a:p>
@@ -855,7 +859,7 @@
             <a:fld id="{42251B24-F787-4C15-8A0F-7AEC20C70069}" type="datetime1">
               <a:rPr lang="zh-TW" altLang="en-US" smtClean="0"/>
               <a:pPr/>
-              <a:t>2020/5/27</a:t>
+              <a:t>2020/5/30</a:t>
             </a:fld>
             <a:endParaRPr lang="zh-TW" altLang="en-US"/>
           </a:p>
@@ -1030,7 +1034,7 @@
             <a:fld id="{9CA0D33C-CE2B-45F1-B8D4-FFD1F131F331}" type="datetime1">
               <a:rPr lang="zh-TW" altLang="en-US" smtClean="0"/>
               <a:pPr/>
-              <a:t>2020/5/27</a:t>
+              <a:t>2020/5/30</a:t>
             </a:fld>
             <a:endParaRPr lang="zh-TW" altLang="en-US"/>
           </a:p>
@@ -1195,7 +1199,7 @@
             <a:fld id="{50B99440-D9EF-40CC-9B52-F6428D9B2C76}" type="datetime1">
               <a:rPr lang="zh-TW" altLang="en-US" smtClean="0"/>
               <a:pPr/>
-              <a:t>2020/5/27</a:t>
+              <a:t>2020/5/30</a:t>
             </a:fld>
             <a:endParaRPr lang="zh-TW" altLang="en-US"/>
           </a:p>
@@ -1437,7 +1441,7 @@
             <a:fld id="{0871BF52-5C6C-4959-8E27-CECB68D39FE4}" type="datetime1">
               <a:rPr lang="zh-TW" altLang="en-US" smtClean="0"/>
               <a:pPr/>
-              <a:t>2020/5/27</a:t>
+              <a:t>2020/5/30</a:t>
             </a:fld>
             <a:endParaRPr lang="zh-TW" altLang="en-US"/>
           </a:p>
@@ -1719,7 +1723,7 @@
             <a:fld id="{DF863F05-2DD9-4EB1-A827-12FD992DE9DC}" type="datetime1">
               <a:rPr lang="zh-TW" altLang="en-US" smtClean="0"/>
               <a:pPr/>
-              <a:t>2020/5/27</a:t>
+              <a:t>2020/5/30</a:t>
             </a:fld>
             <a:endParaRPr lang="zh-TW" altLang="en-US"/>
           </a:p>
@@ -2135,7 +2139,7 @@
             <a:fld id="{6339AF51-4491-4873-A096-75DB6CE47516}" type="datetime1">
               <a:rPr lang="zh-TW" altLang="en-US" smtClean="0"/>
               <a:pPr/>
-              <a:t>2020/5/27</a:t>
+              <a:t>2020/5/30</a:t>
             </a:fld>
             <a:endParaRPr lang="zh-TW" altLang="en-US"/>
           </a:p>
@@ -2249,7 +2253,7 @@
             <a:fld id="{EE4AD9C8-8B9E-40FF-ABE2-858AC2057BBB}" type="datetime1">
               <a:rPr lang="zh-TW" altLang="en-US" smtClean="0"/>
               <a:pPr/>
-              <a:t>2020/5/27</a:t>
+              <a:t>2020/5/30</a:t>
             </a:fld>
             <a:endParaRPr lang="zh-TW" altLang="en-US"/>
           </a:p>
@@ -2341,7 +2345,7 @@
             <a:fld id="{B4784999-BBBE-4BE4-A8D0-877E7D1D66CC}" type="datetime1">
               <a:rPr lang="zh-TW" altLang="en-US" smtClean="0"/>
               <a:pPr/>
-              <a:t>2020/5/27</a:t>
+              <a:t>2020/5/30</a:t>
             </a:fld>
             <a:endParaRPr lang="zh-TW" altLang="en-US"/>
           </a:p>
@@ -2613,7 +2617,7 @@
             <a:fld id="{E88D17E6-02BD-4944-B9FE-7BFCCBF83D48}" type="datetime1">
               <a:rPr lang="zh-TW" altLang="en-US" smtClean="0"/>
               <a:pPr/>
-              <a:t>2020/5/27</a:t>
+              <a:t>2020/5/30</a:t>
             </a:fld>
             <a:endParaRPr lang="zh-TW" altLang="en-US"/>
           </a:p>
@@ -2862,7 +2866,7 @@
             <a:fld id="{3C13E23D-1FEF-4D78-A3A3-3D6F2BB31954}" type="datetime1">
               <a:rPr lang="zh-TW" altLang="en-US" smtClean="0"/>
               <a:pPr/>
-              <a:t>2020/5/27</a:t>
+              <a:t>2020/5/30</a:t>
             </a:fld>
             <a:endParaRPr lang="zh-TW" altLang="en-US"/>
           </a:p>
@@ -3070,7 +3074,7 @@
             <a:fld id="{06197F35-AD6F-4594-8B50-334492D2E7E8}" type="datetime1">
               <a:rPr lang="zh-TW" altLang="en-US" smtClean="0"/>
               <a:pPr/>
-              <a:t>2020/5/27</a:t>
+              <a:t>2020/5/30</a:t>
             </a:fld>
             <a:endParaRPr lang="zh-TW" altLang="en-US"/>
           </a:p>
@@ -3531,7 +3535,7 @@
             <a:fld id="{C389EDC9-19E3-47AC-9C57-C6A24DEA81AD}" type="datetime1">
               <a:rPr lang="zh-TW" altLang="en-US" smtClean="0"/>
               <a:pPr/>
-              <a:t>2020/5/27</a:t>
+              <a:t>2020/5/30</a:t>
             </a:fld>
             <a:endParaRPr lang="zh-TW" altLang="en-US"/>
           </a:p>
@@ -3945,7 +3949,7 @@
             <a:fld id="{A4F910E6-8D00-4BAF-8C48-9688E0B449D3}" type="datetime1">
               <a:rPr lang="zh-TW" altLang="en-US" smtClean="0"/>
               <a:pPr/>
-              <a:t>2020/5/27</a:t>
+              <a:t>2020/5/30</a:t>
             </a:fld>
             <a:endParaRPr lang="zh-TW" altLang="en-US"/>
           </a:p>
@@ -4300,7 +4304,7 @@
             <a:fld id="{A4F910E6-8D00-4BAF-8C48-9688E0B449D3}" type="datetime1">
               <a:rPr lang="zh-TW" altLang="en-US" smtClean="0"/>
               <a:pPr/>
-              <a:t>2020/5/27</a:t>
+              <a:t>2020/5/30</a:t>
             </a:fld>
             <a:endParaRPr lang="zh-TW" altLang="en-US"/>
           </a:p>
@@ -4602,7 +4606,7 @@
             <a:fld id="{A4F910E6-8D00-4BAF-8C48-9688E0B449D3}" type="datetime1">
               <a:rPr lang="zh-TW" altLang="en-US" smtClean="0"/>
               <a:pPr/>
-              <a:t>2020/5/27</a:t>
+              <a:t>2020/5/30</a:t>
             </a:fld>
             <a:endParaRPr lang="zh-TW" altLang="en-US"/>
           </a:p>
@@ -4989,7 +4993,7 @@
             <a:fld id="{A4F910E6-8D00-4BAF-8C48-9688E0B449D3}" type="datetime1">
               <a:rPr lang="zh-TW" altLang="en-US" smtClean="0"/>
               <a:pPr/>
-              <a:t>2020/5/27</a:t>
+              <a:t>2020/5/30</a:t>
             </a:fld>
             <a:endParaRPr lang="zh-TW" altLang="en-US"/>
           </a:p>
@@ -5362,7 +5366,7 @@
             <a:fld id="{A4F910E6-8D00-4BAF-8C48-9688E0B449D3}" type="datetime1">
               <a:rPr lang="zh-TW" altLang="en-US" smtClean="0"/>
               <a:pPr/>
-              <a:t>2020/5/27</a:t>
+              <a:t>2020/5/30</a:t>
             </a:fld>
             <a:endParaRPr lang="zh-TW" altLang="en-US"/>
           </a:p>
@@ -5664,7 +5668,7 @@
             <a:fld id="{A4F910E6-8D00-4BAF-8C48-9688E0B449D3}" type="datetime1">
               <a:rPr lang="zh-TW" altLang="en-US" smtClean="0"/>
               <a:pPr/>
-              <a:t>2020/5/27</a:t>
+              <a:t>2020/5/30</a:t>
             </a:fld>
             <a:endParaRPr lang="zh-TW" altLang="en-US"/>
           </a:p>
@@ -6034,7 +6038,7 @@
             <a:fld id="{A4F910E6-8D00-4BAF-8C48-9688E0B449D3}" type="datetime1">
               <a:rPr lang="zh-TW" altLang="en-US" smtClean="0"/>
               <a:pPr/>
-              <a:t>2020/5/27</a:t>
+              <a:t>2020/5/30</a:t>
             </a:fld>
             <a:endParaRPr lang="zh-TW" altLang="en-US"/>
           </a:p>
@@ -6389,7 +6393,7 @@
             <a:fld id="{A4F910E6-8D00-4BAF-8C48-9688E0B449D3}" type="datetime1">
               <a:rPr lang="zh-TW" altLang="en-US" smtClean="0"/>
               <a:pPr/>
-              <a:t>2020/5/27</a:t>
+              <a:t>2020/5/30</a:t>
             </a:fld>
             <a:endParaRPr lang="zh-TW" altLang="en-US"/>
           </a:p>
@@ -6932,7 +6936,7 @@
             <a:fld id="{A4F910E6-8D00-4BAF-8C48-9688E0B449D3}" type="datetime1">
               <a:rPr lang="zh-TW" altLang="en-US" smtClean="0"/>
               <a:pPr/>
-              <a:t>2020/5/27</a:t>
+              <a:t>2020/5/30</a:t>
             </a:fld>
             <a:endParaRPr lang="zh-TW" altLang="en-US"/>
           </a:p>
@@ -7602,7 +7606,7 @@
             <a:fld id="{A4F910E6-8D00-4BAF-8C48-9688E0B449D3}" type="datetime1">
               <a:rPr lang="zh-TW" altLang="en-US" smtClean="0"/>
               <a:pPr/>
-              <a:t>2020/5/27</a:t>
+              <a:t>2020/5/30</a:t>
             </a:fld>
             <a:endParaRPr lang="zh-TW" altLang="en-US"/>
           </a:p>
@@ -8390,7 +8394,7 @@
             <a:fld id="{A4F910E6-8D00-4BAF-8C48-9688E0B449D3}" type="datetime1">
               <a:rPr lang="zh-TW" altLang="en-US" smtClean="0"/>
               <a:pPr/>
-              <a:t>2020/5/27</a:t>
+              <a:t>2020/5/30</a:t>
             </a:fld>
             <a:endParaRPr lang="zh-TW" altLang="en-US"/>
           </a:p>
@@ -8710,7 +8714,7 @@
             <a:fld id="{A4F910E6-8D00-4BAF-8C48-9688E0B449D3}" type="datetime1">
               <a:rPr lang="zh-TW" altLang="en-US" smtClean="0"/>
               <a:pPr/>
-              <a:t>2020/5/27</a:t>
+              <a:t>2020/5/30</a:t>
             </a:fld>
             <a:endParaRPr lang="zh-TW" altLang="en-US"/>
           </a:p>
@@ -8785,22 +8789,171 @@
             <a:off x="0" y="2130425"/>
             <a:ext cx="9144000" cy="1470025"/>
           </a:xfrm>
+          <a:solidFill>
+            <a:srgbClr val="00B0F0"/>
+          </a:solidFill>
+        </p:spPr>
+        <p:txBody>
+          <a:bodyPr>
+            <a:normAutofit/>
+          </a:bodyPr>
+          <a:lstStyle/>
+          <a:p>
+            <a:r>
+              <a:rPr lang="en-US" altLang="zh-TW" sz="4800" b="1" dirty="0">
+                <a:solidFill>
+                  <a:srgbClr val="FFFF00"/>
+                </a:solidFill>
+              </a:rPr>
+              <a:t>14.1 Quiz</a:t>
+            </a:r>
+            <a:endParaRPr lang="zh-TW" altLang="en-US" sz="4800" b="1" dirty="0">
+              <a:solidFill>
+                <a:srgbClr val="FFFF00"/>
+              </a:solidFill>
+            </a:endParaRPr>
+          </a:p>
+        </p:txBody>
+      </p:sp>
+      <p:sp>
+        <p:nvSpPr>
+          <p:cNvPr id="5" name="日期版面配置區 4"/>
+          <p:cNvSpPr>
+            <a:spLocks noGrp="1"/>
+          </p:cNvSpPr>
+          <p:nvPr>
+            <p:ph type="dt" sz="half" idx="10"/>
+          </p:nvPr>
+        </p:nvSpPr>
+        <p:spPr/>
+        <p:txBody>
+          <a:bodyPr/>
+          <a:lstStyle/>
+          <a:p>
+            <a:fld id="{C389EDC9-19E3-47AC-9C57-C6A24DEA81AD}" type="datetime1">
+              <a:rPr lang="zh-TW" altLang="en-US" smtClean="0"/>
+              <a:pPr/>
+              <a:t>2020/5/30</a:t>
+            </a:fld>
+            <a:endParaRPr lang="zh-TW" altLang="en-US"/>
+          </a:p>
+        </p:txBody>
+      </p:sp>
+      <p:sp>
+        <p:nvSpPr>
+          <p:cNvPr id="6" name="投影片編號版面配置區 5"/>
+          <p:cNvSpPr>
+            <a:spLocks noGrp="1"/>
+          </p:cNvSpPr>
+          <p:nvPr>
+            <p:ph type="sldNum" sz="quarter" idx="12"/>
+          </p:nvPr>
+        </p:nvSpPr>
+        <p:spPr/>
+        <p:txBody>
+          <a:bodyPr/>
+          <a:lstStyle/>
+          <a:p>
+            <a:fld id="{E4D7E63D-91F2-4366-A2C4-1B00C9E2590E}" type="slidenum">
+              <a:rPr lang="zh-TW" altLang="en-US" smtClean="0"/>
+              <a:pPr/>
+              <a:t>21</a:t>
+            </a:fld>
+            <a:endParaRPr lang="zh-TW" altLang="en-US"/>
+          </a:p>
+        </p:txBody>
+      </p:sp>
+      <p:pic>
+        <p:nvPicPr>
+          <p:cNvPr id="7" name="Picture 6">
+            <a:extLst>
+              <a:ext uri="{FF2B5EF4-FFF2-40B4-BE49-F238E27FC236}">
+                <a16:creationId xmlns:a16="http://schemas.microsoft.com/office/drawing/2014/main" id="{6036082F-9FF3-4FD3-AAB6-79929EA80D69}"/>
+              </a:ext>
+            </a:extLst>
+          </p:cNvPr>
+          <p:cNvPicPr>
+            <a:picLocks noChangeAspect="1"/>
+          </p:cNvPicPr>
+          <p:nvPr/>
+        </p:nvPicPr>
+        <p:blipFill>
+          <a:blip r:embed="rId2"/>
+          <a:stretch>
+            <a:fillRect/>
+          </a:stretch>
+        </p:blipFill>
+        <p:spPr>
+          <a:xfrm>
+            <a:off x="3995936" y="3646102"/>
+            <a:ext cx="833859" cy="989784"/>
+          </a:xfrm>
+          <a:prstGeom prst="rect">
+            <a:avLst/>
+          </a:prstGeom>
+        </p:spPr>
+      </p:pic>
+    </p:spTree>
+    <p:extLst>
+      <p:ext uri="{BB962C8B-B14F-4D97-AF65-F5344CB8AC3E}">
+        <p14:creationId xmlns:p14="http://schemas.microsoft.com/office/powerpoint/2010/main" val="264577550"/>
+      </p:ext>
+    </p:extLst>
+  </p:cSld>
+  <p:clrMapOvr>
+    <a:masterClrMapping/>
+  </p:clrMapOvr>
+</p:sld>
+</file>
+
+<file path=ppt/slides/slide22.xml><?xml version="1.0" encoding="utf-8"?>
+<p:sld xmlns:a="http://schemas.openxmlformats.org/drawingml/2006/main" xmlns:r="http://schemas.openxmlformats.org/officeDocument/2006/relationships" xmlns:p="http://schemas.openxmlformats.org/presentationml/2006/main">
+  <p:cSld>
+    <p:spTree>
+      <p:nvGrpSpPr>
+        <p:cNvPr id="1" name=""/>
+        <p:cNvGrpSpPr/>
+        <p:nvPr/>
+      </p:nvGrpSpPr>
+      <p:grpSpPr>
+        <a:xfrm>
+          <a:off x="0" y="0"/>
+          <a:ext cx="0" cy="0"/>
+          <a:chOff x="0" y="0"/>
+          <a:chExt cx="0" cy="0"/>
+        </a:xfrm>
+      </p:grpSpPr>
+      <p:sp>
+        <p:nvSpPr>
+          <p:cNvPr id="2" name="標題 1"/>
+          <p:cNvSpPr>
+            <a:spLocks noGrp="1"/>
+          </p:cNvSpPr>
+          <p:nvPr>
+            <p:ph type="ctrTitle"/>
+          </p:nvPr>
+        </p:nvSpPr>
+        <p:spPr>
+          <a:xfrm>
+            <a:off x="0" y="1"/>
+            <a:ext cx="9144000" cy="764704"/>
+          </a:xfrm>
           <a:gradFill flip="none" rotWithShape="1">
             <a:gsLst>
               <a:gs pos="0">
-                <a:srgbClr val="00B0F0">
+                <a:srgbClr val="C00000">
                   <a:shade val="30000"/>
                   <a:satMod val="115000"/>
                 </a:srgbClr>
               </a:gs>
               <a:gs pos="50000">
-                <a:srgbClr val="00B0F0">
+                <a:srgbClr val="C00000">
                   <a:shade val="67500"/>
                   <a:satMod val="115000"/>
                 </a:srgbClr>
               </a:gs>
               <a:gs pos="100000">
-                <a:srgbClr val="00B0F0">
+                <a:srgbClr val="C00000">
                   <a:shade val="100000"/>
                   <a:satMod val="115000"/>
                 </a:srgbClr>
@@ -8818,6 +8971,924 @@
           </a:bodyPr>
           <a:lstStyle/>
           <a:p>
+            <a:pPr algn="l"/>
+            <a:r>
+              <a:rPr lang="en-US" altLang="zh-TW" b="1" dirty="0">
+                <a:solidFill>
+                  <a:srgbClr val="FFFF00"/>
+                </a:solidFill>
+              </a:rPr>
+              <a:t>14.1 Quiz</a:t>
+            </a:r>
+            <a:endParaRPr lang="zh-TW" altLang="en-US" b="1" dirty="0">
+              <a:solidFill>
+                <a:srgbClr val="FFFF00"/>
+              </a:solidFill>
+            </a:endParaRPr>
+          </a:p>
+        </p:txBody>
+      </p:sp>
+      <p:sp>
+        <p:nvSpPr>
+          <p:cNvPr id="3" name="副標題 2"/>
+          <p:cNvSpPr>
+            <a:spLocks noGrp="1"/>
+          </p:cNvSpPr>
+          <p:nvPr>
+            <p:ph type="subTitle" idx="1"/>
+          </p:nvPr>
+        </p:nvSpPr>
+        <p:spPr>
+          <a:xfrm>
+            <a:off x="457200" y="1325446"/>
+            <a:ext cx="1090464" cy="360040"/>
+          </a:xfrm>
+          <a:ln>
+            <a:solidFill>
+              <a:srgbClr val="C00000"/>
+            </a:solidFill>
+          </a:ln>
+        </p:spPr>
+        <p:txBody>
+          <a:bodyPr>
+            <a:noAutofit/>
+          </a:bodyPr>
+          <a:lstStyle/>
+          <a:p>
+            <a:pPr marL="342900" indent="-342900" algn="l">
+              <a:buClr>
+                <a:srgbClr val="0070C0"/>
+              </a:buClr>
+              <a:buSzPct val="80000"/>
+              <a:buFont typeface="Wingdings" pitchFamily="2" charset="2"/>
+              <a:buChar char="u"/>
+            </a:pPr>
+            <a:r>
+              <a:rPr lang="en-US" sz="1800" b="1" dirty="0">
+                <a:solidFill>
+                  <a:schemeClr val="tx1"/>
+                </a:solidFill>
+              </a:rPr>
+              <a:t>Quiz</a:t>
+            </a:r>
+            <a:endParaRPr lang="en-US" sz="1800" dirty="0">
+              <a:solidFill>
+                <a:schemeClr val="tx1"/>
+              </a:solidFill>
+            </a:endParaRPr>
+          </a:p>
+        </p:txBody>
+      </p:sp>
+      <p:sp>
+        <p:nvSpPr>
+          <p:cNvPr id="4" name="標題 1"/>
+          <p:cNvSpPr txBox="1">
+            <a:spLocks/>
+          </p:cNvSpPr>
+          <p:nvPr/>
+        </p:nvSpPr>
+        <p:spPr>
+          <a:xfrm>
+            <a:off x="0" y="764704"/>
+            <a:ext cx="9144000" cy="360040"/>
+          </a:xfrm>
+          <a:prstGeom prst="rect">
+            <a:avLst/>
+          </a:prstGeom>
+          <a:gradFill flip="none" rotWithShape="1">
+            <a:gsLst>
+              <a:gs pos="0">
+                <a:srgbClr val="00B0F0">
+                  <a:shade val="30000"/>
+                  <a:satMod val="115000"/>
+                </a:srgbClr>
+              </a:gs>
+              <a:gs pos="50000">
+                <a:srgbClr val="00B0F0">
+                  <a:shade val="67500"/>
+                  <a:satMod val="115000"/>
+                </a:srgbClr>
+              </a:gs>
+              <a:gs pos="100000">
+                <a:srgbClr val="00B0F0">
+                  <a:shade val="100000"/>
+                  <a:satMod val="115000"/>
+                </a:srgbClr>
+              </a:gs>
+            </a:gsLst>
+            <a:path path="circle">
+              <a:fillToRect t="100000" r="100000"/>
+            </a:path>
+            <a:tileRect l="-100000" b="-100000"/>
+          </a:gradFill>
+        </p:spPr>
+        <p:txBody>
+          <a:bodyPr vert="horz" lIns="91440" tIns="45720" rIns="91440" bIns="45720" rtlCol="0" anchor="ctr">
+            <a:normAutofit/>
+          </a:bodyPr>
+          <a:lstStyle/>
+          <a:p>
+            <a:pPr lvl="0">
+              <a:spcBef>
+                <a:spcPct val="0"/>
+              </a:spcBef>
+            </a:pPr>
+            <a:r>
+              <a:rPr lang="en-US" sz="1600" dirty="0">
+                <a:hlinkClick r:id="rId2"/>
+              </a:rPr>
+              <a:t>https://www.youtube.com/watch?v=EqpzfvxBx30&amp;list=PLZbbT5o_s2xrfNyHZsM6ufI0iZENK9xgG&amp;index=14</a:t>
+            </a:r>
+            <a:endParaRPr kumimoji="0" lang="zh-TW" altLang="en-US" sz="1600" b="0" i="0" u="none" strike="noStrike" kern="1200" cap="none" spc="0" normalizeH="0" baseline="0" noProof="0" dirty="0">
+              <a:ln>
+                <a:noFill/>
+              </a:ln>
+              <a:solidFill>
+                <a:schemeClr val="tx1"/>
+              </a:solidFill>
+              <a:effectLst/>
+              <a:uLnTx/>
+              <a:uFillTx/>
+              <a:latin typeface="+mj-lt"/>
+              <a:ea typeface="+mj-ea"/>
+              <a:cs typeface="+mj-cs"/>
+            </a:endParaRPr>
+          </a:p>
+        </p:txBody>
+      </p:sp>
+      <p:sp>
+        <p:nvSpPr>
+          <p:cNvPr id="5" name="日期版面配置區 4"/>
+          <p:cNvSpPr>
+            <a:spLocks noGrp="1"/>
+          </p:cNvSpPr>
+          <p:nvPr>
+            <p:ph type="dt" sz="half" idx="10"/>
+          </p:nvPr>
+        </p:nvSpPr>
+        <p:spPr/>
+        <p:txBody>
+          <a:bodyPr/>
+          <a:lstStyle/>
+          <a:p>
+            <a:fld id="{A4F910E6-8D00-4BAF-8C48-9688E0B449D3}" type="datetime1">
+              <a:rPr lang="zh-TW" altLang="en-US" smtClean="0"/>
+              <a:pPr/>
+              <a:t>2020/5/30</a:t>
+            </a:fld>
+            <a:endParaRPr lang="zh-TW" altLang="en-US"/>
+          </a:p>
+        </p:txBody>
+      </p:sp>
+      <p:sp>
+        <p:nvSpPr>
+          <p:cNvPr id="6" name="投影片編號版面配置區 5"/>
+          <p:cNvSpPr>
+            <a:spLocks noGrp="1"/>
+          </p:cNvSpPr>
+          <p:nvPr>
+            <p:ph type="sldNum" sz="quarter" idx="12"/>
+          </p:nvPr>
+        </p:nvSpPr>
+        <p:spPr/>
+        <p:txBody>
+          <a:bodyPr/>
+          <a:lstStyle/>
+          <a:p>
+            <a:fld id="{E4D7E63D-91F2-4366-A2C4-1B00C9E2590E}" type="slidenum">
+              <a:rPr lang="zh-TW" altLang="en-US" smtClean="0"/>
+              <a:pPr/>
+              <a:t>22</a:t>
+            </a:fld>
+            <a:endParaRPr lang="zh-TW" altLang="en-US"/>
+          </a:p>
+        </p:txBody>
+      </p:sp>
+      <p:pic>
+        <p:nvPicPr>
+          <p:cNvPr id="7" name="Picture 6">
+            <a:extLst>
+              <a:ext uri="{FF2B5EF4-FFF2-40B4-BE49-F238E27FC236}">
+                <a16:creationId xmlns:a16="http://schemas.microsoft.com/office/drawing/2014/main" id="{C0DA7B4D-8DA5-475B-98E9-6ADCF5A8E54C}"/>
+              </a:ext>
+            </a:extLst>
+          </p:cNvPr>
+          <p:cNvPicPr>
+            <a:picLocks noChangeAspect="1"/>
+          </p:cNvPicPr>
+          <p:nvPr/>
+        </p:nvPicPr>
+        <p:blipFill>
+          <a:blip r:embed="rId3"/>
+          <a:stretch>
+            <a:fillRect/>
+          </a:stretch>
+        </p:blipFill>
+        <p:spPr>
+          <a:xfrm>
+            <a:off x="1796863" y="1325446"/>
+            <a:ext cx="6943725" cy="4619625"/>
+          </a:xfrm>
+          <a:prstGeom prst="rect">
+            <a:avLst/>
+          </a:prstGeom>
+          <a:ln>
+            <a:solidFill>
+              <a:srgbClr val="C00000"/>
+            </a:solidFill>
+          </a:ln>
+        </p:spPr>
+      </p:pic>
+    </p:spTree>
+    <p:extLst>
+      <p:ext uri="{BB962C8B-B14F-4D97-AF65-F5344CB8AC3E}">
+        <p14:creationId xmlns:p14="http://schemas.microsoft.com/office/powerpoint/2010/main" val="4043013379"/>
+      </p:ext>
+    </p:extLst>
+  </p:cSld>
+  <p:clrMapOvr>
+    <a:masterClrMapping/>
+  </p:clrMapOvr>
+</p:sld>
+</file>
+
+<file path=ppt/slides/slide23.xml><?xml version="1.0" encoding="utf-8"?>
+<p:sld xmlns:a="http://schemas.openxmlformats.org/drawingml/2006/main" xmlns:r="http://schemas.openxmlformats.org/officeDocument/2006/relationships" xmlns:p="http://schemas.openxmlformats.org/presentationml/2006/main">
+  <p:cSld>
+    <p:spTree>
+      <p:nvGrpSpPr>
+        <p:cNvPr id="1" name=""/>
+        <p:cNvGrpSpPr/>
+        <p:nvPr/>
+      </p:nvGrpSpPr>
+      <p:grpSpPr>
+        <a:xfrm>
+          <a:off x="0" y="0"/>
+          <a:ext cx="0" cy="0"/>
+          <a:chOff x="0" y="0"/>
+          <a:chExt cx="0" cy="0"/>
+        </a:xfrm>
+      </p:grpSpPr>
+      <p:sp>
+        <p:nvSpPr>
+          <p:cNvPr id="2" name="標題 1"/>
+          <p:cNvSpPr>
+            <a:spLocks noGrp="1"/>
+          </p:cNvSpPr>
+          <p:nvPr>
+            <p:ph type="ctrTitle"/>
+          </p:nvPr>
+        </p:nvSpPr>
+        <p:spPr>
+          <a:xfrm>
+            <a:off x="0" y="1"/>
+            <a:ext cx="9144000" cy="764704"/>
+          </a:xfrm>
+          <a:gradFill flip="none" rotWithShape="1">
+            <a:gsLst>
+              <a:gs pos="0">
+                <a:srgbClr val="C00000">
+                  <a:shade val="30000"/>
+                  <a:satMod val="115000"/>
+                </a:srgbClr>
+              </a:gs>
+              <a:gs pos="50000">
+                <a:srgbClr val="C00000">
+                  <a:shade val="67500"/>
+                  <a:satMod val="115000"/>
+                </a:srgbClr>
+              </a:gs>
+              <a:gs pos="100000">
+                <a:srgbClr val="C00000">
+                  <a:shade val="100000"/>
+                  <a:satMod val="115000"/>
+                </a:srgbClr>
+              </a:gs>
+            </a:gsLst>
+            <a:path path="circle">
+              <a:fillToRect t="100000" r="100000"/>
+            </a:path>
+            <a:tileRect l="-100000" b="-100000"/>
+          </a:gradFill>
+        </p:spPr>
+        <p:txBody>
+          <a:bodyPr>
+            <a:normAutofit/>
+          </a:bodyPr>
+          <a:lstStyle/>
+          <a:p>
+            <a:pPr algn="l"/>
+            <a:r>
+              <a:rPr lang="en-US" altLang="zh-TW" b="1" dirty="0">
+                <a:solidFill>
+                  <a:srgbClr val="FFFF00"/>
+                </a:solidFill>
+              </a:rPr>
+              <a:t>14.1 Quiz</a:t>
+            </a:r>
+            <a:endParaRPr lang="zh-TW" altLang="en-US" b="1" dirty="0">
+              <a:solidFill>
+                <a:srgbClr val="FFFF00"/>
+              </a:solidFill>
+            </a:endParaRPr>
+          </a:p>
+        </p:txBody>
+      </p:sp>
+      <p:sp>
+        <p:nvSpPr>
+          <p:cNvPr id="3" name="副標題 2"/>
+          <p:cNvSpPr>
+            <a:spLocks noGrp="1"/>
+          </p:cNvSpPr>
+          <p:nvPr>
+            <p:ph type="subTitle" idx="1"/>
+          </p:nvPr>
+        </p:nvSpPr>
+        <p:spPr>
+          <a:xfrm>
+            <a:off x="457200" y="1325446"/>
+            <a:ext cx="1090464" cy="360040"/>
+          </a:xfrm>
+          <a:ln>
+            <a:solidFill>
+              <a:srgbClr val="C00000"/>
+            </a:solidFill>
+          </a:ln>
+        </p:spPr>
+        <p:txBody>
+          <a:bodyPr>
+            <a:noAutofit/>
+          </a:bodyPr>
+          <a:lstStyle/>
+          <a:p>
+            <a:pPr marL="342900" indent="-342900" algn="l">
+              <a:buClr>
+                <a:srgbClr val="0070C0"/>
+              </a:buClr>
+              <a:buSzPct val="80000"/>
+              <a:buFont typeface="Wingdings" pitchFamily="2" charset="2"/>
+              <a:buChar char="u"/>
+            </a:pPr>
+            <a:r>
+              <a:rPr lang="en-US" sz="1800" b="1" dirty="0">
+                <a:solidFill>
+                  <a:schemeClr val="tx1"/>
+                </a:solidFill>
+              </a:rPr>
+              <a:t>Quiz</a:t>
+            </a:r>
+            <a:endParaRPr lang="en-US" sz="1800" dirty="0">
+              <a:solidFill>
+                <a:schemeClr val="tx1"/>
+              </a:solidFill>
+            </a:endParaRPr>
+          </a:p>
+        </p:txBody>
+      </p:sp>
+      <p:sp>
+        <p:nvSpPr>
+          <p:cNvPr id="4" name="標題 1"/>
+          <p:cNvSpPr txBox="1">
+            <a:spLocks/>
+          </p:cNvSpPr>
+          <p:nvPr/>
+        </p:nvSpPr>
+        <p:spPr>
+          <a:xfrm>
+            <a:off x="0" y="764704"/>
+            <a:ext cx="9144000" cy="360040"/>
+          </a:xfrm>
+          <a:prstGeom prst="rect">
+            <a:avLst/>
+          </a:prstGeom>
+          <a:gradFill flip="none" rotWithShape="1">
+            <a:gsLst>
+              <a:gs pos="0">
+                <a:srgbClr val="00B0F0">
+                  <a:shade val="30000"/>
+                  <a:satMod val="115000"/>
+                </a:srgbClr>
+              </a:gs>
+              <a:gs pos="50000">
+                <a:srgbClr val="00B0F0">
+                  <a:shade val="67500"/>
+                  <a:satMod val="115000"/>
+                </a:srgbClr>
+              </a:gs>
+              <a:gs pos="100000">
+                <a:srgbClr val="00B0F0">
+                  <a:shade val="100000"/>
+                  <a:satMod val="115000"/>
+                </a:srgbClr>
+              </a:gs>
+            </a:gsLst>
+            <a:path path="circle">
+              <a:fillToRect t="100000" r="100000"/>
+            </a:path>
+            <a:tileRect l="-100000" b="-100000"/>
+          </a:gradFill>
+        </p:spPr>
+        <p:txBody>
+          <a:bodyPr vert="horz" lIns="91440" tIns="45720" rIns="91440" bIns="45720" rtlCol="0" anchor="ctr">
+            <a:normAutofit/>
+          </a:bodyPr>
+          <a:lstStyle/>
+          <a:p>
+            <a:pPr lvl="0">
+              <a:spcBef>
+                <a:spcPct val="0"/>
+              </a:spcBef>
+            </a:pPr>
+            <a:r>
+              <a:rPr lang="en-US" sz="1600" dirty="0">
+                <a:hlinkClick r:id="rId2"/>
+              </a:rPr>
+              <a:t>https://www.youtube.com/watch?v=EqpzfvxBx30&amp;list=PLZbbT5o_s2xrfNyHZsM6ufI0iZENK9xgG&amp;index=14</a:t>
+            </a:r>
+            <a:endParaRPr kumimoji="0" lang="zh-TW" altLang="en-US" sz="1600" b="0" i="0" u="none" strike="noStrike" kern="1200" cap="none" spc="0" normalizeH="0" baseline="0" noProof="0" dirty="0">
+              <a:ln>
+                <a:noFill/>
+              </a:ln>
+              <a:solidFill>
+                <a:schemeClr val="tx1"/>
+              </a:solidFill>
+              <a:effectLst/>
+              <a:uLnTx/>
+              <a:uFillTx/>
+              <a:latin typeface="+mj-lt"/>
+              <a:ea typeface="+mj-ea"/>
+              <a:cs typeface="+mj-cs"/>
+            </a:endParaRPr>
+          </a:p>
+        </p:txBody>
+      </p:sp>
+      <p:sp>
+        <p:nvSpPr>
+          <p:cNvPr id="5" name="日期版面配置區 4"/>
+          <p:cNvSpPr>
+            <a:spLocks noGrp="1"/>
+          </p:cNvSpPr>
+          <p:nvPr>
+            <p:ph type="dt" sz="half" idx="10"/>
+          </p:nvPr>
+        </p:nvSpPr>
+        <p:spPr/>
+        <p:txBody>
+          <a:bodyPr/>
+          <a:lstStyle/>
+          <a:p>
+            <a:fld id="{A4F910E6-8D00-4BAF-8C48-9688E0B449D3}" type="datetime1">
+              <a:rPr lang="zh-TW" altLang="en-US" smtClean="0"/>
+              <a:pPr/>
+              <a:t>2020/5/30</a:t>
+            </a:fld>
+            <a:endParaRPr lang="zh-TW" altLang="en-US"/>
+          </a:p>
+        </p:txBody>
+      </p:sp>
+      <p:sp>
+        <p:nvSpPr>
+          <p:cNvPr id="6" name="投影片編號版面配置區 5"/>
+          <p:cNvSpPr>
+            <a:spLocks noGrp="1"/>
+          </p:cNvSpPr>
+          <p:nvPr>
+            <p:ph type="sldNum" sz="quarter" idx="12"/>
+          </p:nvPr>
+        </p:nvSpPr>
+        <p:spPr/>
+        <p:txBody>
+          <a:bodyPr/>
+          <a:lstStyle/>
+          <a:p>
+            <a:fld id="{E4D7E63D-91F2-4366-A2C4-1B00C9E2590E}" type="slidenum">
+              <a:rPr lang="zh-TW" altLang="en-US" smtClean="0"/>
+              <a:pPr/>
+              <a:t>23</a:t>
+            </a:fld>
+            <a:endParaRPr lang="zh-TW" altLang="en-US"/>
+          </a:p>
+        </p:txBody>
+      </p:sp>
+      <p:pic>
+        <p:nvPicPr>
+          <p:cNvPr id="8" name="Picture 7">
+            <a:extLst>
+              <a:ext uri="{FF2B5EF4-FFF2-40B4-BE49-F238E27FC236}">
+                <a16:creationId xmlns:a16="http://schemas.microsoft.com/office/drawing/2014/main" id="{DB7DA9E9-6715-4571-B0A7-BD86779989B3}"/>
+              </a:ext>
+            </a:extLst>
+          </p:cNvPr>
+          <p:cNvPicPr>
+            <a:picLocks noChangeAspect="1"/>
+          </p:cNvPicPr>
+          <p:nvPr/>
+        </p:nvPicPr>
+        <p:blipFill>
+          <a:blip r:embed="rId3"/>
+          <a:stretch>
+            <a:fillRect/>
+          </a:stretch>
+        </p:blipFill>
+        <p:spPr>
+          <a:xfrm>
+            <a:off x="1691680" y="1325446"/>
+            <a:ext cx="6848475" cy="4143375"/>
+          </a:xfrm>
+          <a:prstGeom prst="rect">
+            <a:avLst/>
+          </a:prstGeom>
+          <a:ln>
+            <a:solidFill>
+              <a:srgbClr val="C00000"/>
+            </a:solidFill>
+          </a:ln>
+        </p:spPr>
+      </p:pic>
+    </p:spTree>
+    <p:extLst>
+      <p:ext uri="{BB962C8B-B14F-4D97-AF65-F5344CB8AC3E}">
+        <p14:creationId xmlns:p14="http://schemas.microsoft.com/office/powerpoint/2010/main" val="517723607"/>
+      </p:ext>
+    </p:extLst>
+  </p:cSld>
+  <p:clrMapOvr>
+    <a:masterClrMapping/>
+  </p:clrMapOvr>
+</p:sld>
+</file>
+
+<file path=ppt/slides/slide24.xml><?xml version="1.0" encoding="utf-8"?>
+<p:sld xmlns:a="http://schemas.openxmlformats.org/drawingml/2006/main" xmlns:r="http://schemas.openxmlformats.org/officeDocument/2006/relationships" xmlns:p="http://schemas.openxmlformats.org/presentationml/2006/main">
+  <p:cSld>
+    <p:spTree>
+      <p:nvGrpSpPr>
+        <p:cNvPr id="1" name=""/>
+        <p:cNvGrpSpPr/>
+        <p:nvPr/>
+      </p:nvGrpSpPr>
+      <p:grpSpPr>
+        <a:xfrm>
+          <a:off x="0" y="0"/>
+          <a:ext cx="0" cy="0"/>
+          <a:chOff x="0" y="0"/>
+          <a:chExt cx="0" cy="0"/>
+        </a:xfrm>
+      </p:grpSpPr>
+      <p:sp>
+        <p:nvSpPr>
+          <p:cNvPr id="2" name="標題 1"/>
+          <p:cNvSpPr>
+            <a:spLocks noGrp="1"/>
+          </p:cNvSpPr>
+          <p:nvPr>
+            <p:ph type="ctrTitle"/>
+          </p:nvPr>
+        </p:nvSpPr>
+        <p:spPr>
+          <a:xfrm>
+            <a:off x="0" y="1"/>
+            <a:ext cx="9144000" cy="764704"/>
+          </a:xfrm>
+          <a:gradFill flip="none" rotWithShape="1">
+            <a:gsLst>
+              <a:gs pos="0">
+                <a:srgbClr val="C00000">
+                  <a:shade val="30000"/>
+                  <a:satMod val="115000"/>
+                </a:srgbClr>
+              </a:gs>
+              <a:gs pos="50000">
+                <a:srgbClr val="C00000">
+                  <a:shade val="67500"/>
+                  <a:satMod val="115000"/>
+                </a:srgbClr>
+              </a:gs>
+              <a:gs pos="100000">
+                <a:srgbClr val="C00000">
+                  <a:shade val="100000"/>
+                  <a:satMod val="115000"/>
+                </a:srgbClr>
+              </a:gs>
+            </a:gsLst>
+            <a:path path="circle">
+              <a:fillToRect t="100000" r="100000"/>
+            </a:path>
+            <a:tileRect l="-100000" b="-100000"/>
+          </a:gradFill>
+        </p:spPr>
+        <p:txBody>
+          <a:bodyPr>
+            <a:normAutofit/>
+          </a:bodyPr>
+          <a:lstStyle/>
+          <a:p>
+            <a:pPr algn="l"/>
+            <a:r>
+              <a:rPr lang="en-US" altLang="zh-TW" b="1" dirty="0">
+                <a:solidFill>
+                  <a:srgbClr val="FFFF00"/>
+                </a:solidFill>
+              </a:rPr>
+              <a:t>14.1 Quiz</a:t>
+            </a:r>
+            <a:endParaRPr lang="zh-TW" altLang="en-US" b="1" dirty="0">
+              <a:solidFill>
+                <a:srgbClr val="FFFF00"/>
+              </a:solidFill>
+            </a:endParaRPr>
+          </a:p>
+        </p:txBody>
+      </p:sp>
+      <p:sp>
+        <p:nvSpPr>
+          <p:cNvPr id="3" name="副標題 2"/>
+          <p:cNvSpPr>
+            <a:spLocks noGrp="1"/>
+          </p:cNvSpPr>
+          <p:nvPr>
+            <p:ph type="subTitle" idx="1"/>
+          </p:nvPr>
+        </p:nvSpPr>
+        <p:spPr>
+          <a:xfrm>
+            <a:off x="457200" y="1325446"/>
+            <a:ext cx="1090464" cy="360040"/>
+          </a:xfrm>
+          <a:ln>
+            <a:solidFill>
+              <a:srgbClr val="C00000"/>
+            </a:solidFill>
+          </a:ln>
+        </p:spPr>
+        <p:txBody>
+          <a:bodyPr>
+            <a:noAutofit/>
+          </a:bodyPr>
+          <a:lstStyle/>
+          <a:p>
+            <a:pPr marL="342900" indent="-342900" algn="l">
+              <a:buClr>
+                <a:srgbClr val="0070C0"/>
+              </a:buClr>
+              <a:buSzPct val="80000"/>
+              <a:buFont typeface="Wingdings" pitchFamily="2" charset="2"/>
+              <a:buChar char="u"/>
+            </a:pPr>
+            <a:r>
+              <a:rPr lang="en-US" sz="1800" b="1" dirty="0">
+                <a:solidFill>
+                  <a:schemeClr val="tx1"/>
+                </a:solidFill>
+              </a:rPr>
+              <a:t>Quiz</a:t>
+            </a:r>
+            <a:endParaRPr lang="en-US" sz="1800" dirty="0">
+              <a:solidFill>
+                <a:schemeClr val="tx1"/>
+              </a:solidFill>
+            </a:endParaRPr>
+          </a:p>
+        </p:txBody>
+      </p:sp>
+      <p:sp>
+        <p:nvSpPr>
+          <p:cNvPr id="4" name="標題 1"/>
+          <p:cNvSpPr txBox="1">
+            <a:spLocks/>
+          </p:cNvSpPr>
+          <p:nvPr/>
+        </p:nvSpPr>
+        <p:spPr>
+          <a:xfrm>
+            <a:off x="0" y="764704"/>
+            <a:ext cx="9144000" cy="360040"/>
+          </a:xfrm>
+          <a:prstGeom prst="rect">
+            <a:avLst/>
+          </a:prstGeom>
+          <a:gradFill flip="none" rotWithShape="1">
+            <a:gsLst>
+              <a:gs pos="0">
+                <a:srgbClr val="00B0F0">
+                  <a:shade val="30000"/>
+                  <a:satMod val="115000"/>
+                </a:srgbClr>
+              </a:gs>
+              <a:gs pos="50000">
+                <a:srgbClr val="00B0F0">
+                  <a:shade val="67500"/>
+                  <a:satMod val="115000"/>
+                </a:srgbClr>
+              </a:gs>
+              <a:gs pos="100000">
+                <a:srgbClr val="00B0F0">
+                  <a:shade val="100000"/>
+                  <a:satMod val="115000"/>
+                </a:srgbClr>
+              </a:gs>
+            </a:gsLst>
+            <a:path path="circle">
+              <a:fillToRect t="100000" r="100000"/>
+            </a:path>
+            <a:tileRect l="-100000" b="-100000"/>
+          </a:gradFill>
+        </p:spPr>
+        <p:txBody>
+          <a:bodyPr vert="horz" lIns="91440" tIns="45720" rIns="91440" bIns="45720" rtlCol="0" anchor="ctr">
+            <a:normAutofit/>
+          </a:bodyPr>
+          <a:lstStyle/>
+          <a:p>
+            <a:pPr lvl="0">
+              <a:spcBef>
+                <a:spcPct val="0"/>
+              </a:spcBef>
+            </a:pPr>
+            <a:r>
+              <a:rPr lang="en-US" sz="1600" dirty="0">
+                <a:hlinkClick r:id="rId2"/>
+              </a:rPr>
+              <a:t>https://www.youtube.com/watch?v=EqpzfvxBx30&amp;list=PLZbbT5o_s2xrfNyHZsM6ufI0iZENK9xgG&amp;index=14</a:t>
+            </a:r>
+            <a:endParaRPr kumimoji="0" lang="zh-TW" altLang="en-US" sz="1600" b="0" i="0" u="none" strike="noStrike" kern="1200" cap="none" spc="0" normalizeH="0" baseline="0" noProof="0" dirty="0">
+              <a:ln>
+                <a:noFill/>
+              </a:ln>
+              <a:solidFill>
+                <a:schemeClr val="tx1"/>
+              </a:solidFill>
+              <a:effectLst/>
+              <a:uLnTx/>
+              <a:uFillTx/>
+              <a:latin typeface="+mj-lt"/>
+              <a:ea typeface="+mj-ea"/>
+              <a:cs typeface="+mj-cs"/>
+            </a:endParaRPr>
+          </a:p>
+        </p:txBody>
+      </p:sp>
+      <p:sp>
+        <p:nvSpPr>
+          <p:cNvPr id="5" name="日期版面配置區 4"/>
+          <p:cNvSpPr>
+            <a:spLocks noGrp="1"/>
+          </p:cNvSpPr>
+          <p:nvPr>
+            <p:ph type="dt" sz="half" idx="10"/>
+          </p:nvPr>
+        </p:nvSpPr>
+        <p:spPr/>
+        <p:txBody>
+          <a:bodyPr/>
+          <a:lstStyle/>
+          <a:p>
+            <a:fld id="{A4F910E6-8D00-4BAF-8C48-9688E0B449D3}" type="datetime1">
+              <a:rPr lang="zh-TW" altLang="en-US" smtClean="0"/>
+              <a:pPr/>
+              <a:t>2020/5/30</a:t>
+            </a:fld>
+            <a:endParaRPr lang="zh-TW" altLang="en-US"/>
+          </a:p>
+        </p:txBody>
+      </p:sp>
+      <p:sp>
+        <p:nvSpPr>
+          <p:cNvPr id="6" name="投影片編號版面配置區 5"/>
+          <p:cNvSpPr>
+            <a:spLocks noGrp="1"/>
+          </p:cNvSpPr>
+          <p:nvPr>
+            <p:ph type="sldNum" sz="quarter" idx="12"/>
+          </p:nvPr>
+        </p:nvSpPr>
+        <p:spPr/>
+        <p:txBody>
+          <a:bodyPr/>
+          <a:lstStyle/>
+          <a:p>
+            <a:fld id="{E4D7E63D-91F2-4366-A2C4-1B00C9E2590E}" type="slidenum">
+              <a:rPr lang="zh-TW" altLang="en-US" smtClean="0"/>
+              <a:pPr/>
+              <a:t>24</a:t>
+            </a:fld>
+            <a:endParaRPr lang="zh-TW" altLang="en-US"/>
+          </a:p>
+        </p:txBody>
+      </p:sp>
+      <p:pic>
+        <p:nvPicPr>
+          <p:cNvPr id="7" name="Picture 6">
+            <a:extLst>
+              <a:ext uri="{FF2B5EF4-FFF2-40B4-BE49-F238E27FC236}">
+                <a16:creationId xmlns:a16="http://schemas.microsoft.com/office/drawing/2014/main" id="{E93D9866-07AB-4191-972F-5A6BD5D335A5}"/>
+              </a:ext>
+            </a:extLst>
+          </p:cNvPr>
+          <p:cNvPicPr>
+            <a:picLocks noChangeAspect="1"/>
+          </p:cNvPicPr>
+          <p:nvPr/>
+        </p:nvPicPr>
+        <p:blipFill>
+          <a:blip r:embed="rId3"/>
+          <a:stretch>
+            <a:fillRect/>
+          </a:stretch>
+        </p:blipFill>
+        <p:spPr>
+          <a:xfrm>
+            <a:off x="1835696" y="1263273"/>
+            <a:ext cx="5905500" cy="1657350"/>
+          </a:xfrm>
+          <a:prstGeom prst="rect">
+            <a:avLst/>
+          </a:prstGeom>
+          <a:ln>
+            <a:solidFill>
+              <a:srgbClr val="C00000"/>
+            </a:solidFill>
+          </a:ln>
+        </p:spPr>
+      </p:pic>
+    </p:spTree>
+    <p:extLst>
+      <p:ext uri="{BB962C8B-B14F-4D97-AF65-F5344CB8AC3E}">
+        <p14:creationId xmlns:p14="http://schemas.microsoft.com/office/powerpoint/2010/main" val="539955217"/>
+      </p:ext>
+    </p:extLst>
+  </p:cSld>
+  <p:clrMapOvr>
+    <a:masterClrMapping/>
+  </p:clrMapOvr>
+</p:sld>
+</file>
+
+<file path=ppt/slides/slide25.xml><?xml version="1.0" encoding="utf-8"?>
+<p:sld xmlns:a="http://schemas.openxmlformats.org/drawingml/2006/main" xmlns:r="http://schemas.openxmlformats.org/officeDocument/2006/relationships" xmlns:p="http://schemas.openxmlformats.org/presentationml/2006/main">
+  <p:cSld>
+    <p:spTree>
+      <p:nvGrpSpPr>
+        <p:cNvPr id="1" name=""/>
+        <p:cNvGrpSpPr/>
+        <p:nvPr/>
+      </p:nvGrpSpPr>
+      <p:grpSpPr>
+        <a:xfrm>
+          <a:off x="0" y="0"/>
+          <a:ext cx="0" cy="0"/>
+          <a:chOff x="0" y="0"/>
+          <a:chExt cx="0" cy="0"/>
+        </a:xfrm>
+      </p:grpSpPr>
+      <p:sp>
+        <p:nvSpPr>
+          <p:cNvPr id="2" name="標題 1"/>
+          <p:cNvSpPr>
+            <a:spLocks noGrp="1"/>
+          </p:cNvSpPr>
+          <p:nvPr>
+            <p:ph type="ctrTitle"/>
+          </p:nvPr>
+        </p:nvSpPr>
+        <p:spPr>
+          <a:xfrm>
+            <a:off x="0" y="2130425"/>
+            <a:ext cx="9144000" cy="1470025"/>
+          </a:xfrm>
+          <a:gradFill flip="none" rotWithShape="1">
+            <a:gsLst>
+              <a:gs pos="0">
+                <a:srgbClr val="00B0F0">
+                  <a:shade val="30000"/>
+                  <a:satMod val="115000"/>
+                </a:srgbClr>
+              </a:gs>
+              <a:gs pos="50000">
+                <a:srgbClr val="00B0F0">
+                  <a:shade val="67500"/>
+                  <a:satMod val="115000"/>
+                </a:srgbClr>
+              </a:gs>
+              <a:gs pos="100000">
+                <a:srgbClr val="00B0F0">
+                  <a:shade val="100000"/>
+                  <a:satMod val="115000"/>
+                </a:srgbClr>
+              </a:gs>
+            </a:gsLst>
+            <a:path path="circle">
+              <a:fillToRect t="100000" r="100000"/>
+            </a:path>
+            <a:tileRect l="-100000" b="-100000"/>
+          </a:gradFill>
+        </p:spPr>
+        <p:txBody>
+          <a:bodyPr>
+            <a:normAutofit/>
+          </a:bodyPr>
+          <a:lstStyle/>
+          <a:p>
             <a:r>
               <a:rPr lang="en-US" altLang="zh-TW" sz="6000" b="1" dirty="0">
                 <a:solidFill>
@@ -8852,7 +9923,7 @@
             <a:fld id="{4E46BE27-E923-4EC2-B046-3272AE2A3E5C}" type="datetime1">
               <a:rPr lang="zh-TW" altLang="en-US" smtClean="0"/>
               <a:pPr/>
-              <a:t>2020/5/27</a:t>
+              <a:t>2020/5/30</a:t>
             </a:fld>
             <a:endParaRPr lang="zh-TW" altLang="en-US"/>
           </a:p>
@@ -8876,7 +9947,7 @@
             <a:fld id="{E4D7E63D-91F2-4366-A2C4-1B00C9E2590E}" type="slidenum">
               <a:rPr lang="zh-TW" altLang="en-US" smtClean="0"/>
               <a:pPr/>
-              <a:t>21</a:t>
+              <a:t>25</a:t>
             </a:fld>
             <a:endParaRPr lang="zh-TW" altLang="en-US"/>
           </a:p>
@@ -9287,7 +10358,7 @@
             <a:fld id="{A4F910E6-8D00-4BAF-8C48-9688E0B449D3}" type="datetime1">
               <a:rPr lang="zh-TW" altLang="en-US" smtClean="0"/>
               <a:pPr/>
-              <a:t>2020/5/27</a:t>
+              <a:t>2020/5/30</a:t>
             </a:fld>
             <a:endParaRPr lang="zh-TW" altLang="en-US"/>
           </a:p>
@@ -9607,7 +10678,7 @@
             <a:fld id="{A4F910E6-8D00-4BAF-8C48-9688E0B449D3}" type="datetime1">
               <a:rPr lang="zh-TW" altLang="en-US" smtClean="0"/>
               <a:pPr/>
-              <a:t>2020/5/27</a:t>
+              <a:t>2020/5/30</a:t>
             </a:fld>
             <a:endParaRPr lang="zh-TW" altLang="en-US"/>
           </a:p>
@@ -9962,7 +11033,7 @@
             <a:fld id="{A4F910E6-8D00-4BAF-8C48-9688E0B449D3}" type="datetime1">
               <a:rPr lang="zh-TW" altLang="en-US" smtClean="0"/>
               <a:pPr/>
-              <a:t>2020/5/27</a:t>
+              <a:t>2020/5/30</a:t>
             </a:fld>
             <a:endParaRPr lang="zh-TW" altLang="en-US"/>
           </a:p>
@@ -10404,7 +11475,7 @@
             <a:fld id="{A4F910E6-8D00-4BAF-8C48-9688E0B449D3}" type="datetime1">
               <a:rPr lang="zh-TW" altLang="en-US" smtClean="0"/>
               <a:pPr/>
-              <a:t>2020/5/27</a:t>
+              <a:t>2020/5/30</a:t>
             </a:fld>
             <a:endParaRPr lang="zh-TW" altLang="en-US"/>
           </a:p>
@@ -10879,7 +11950,7 @@
             <a:fld id="{A4F910E6-8D00-4BAF-8C48-9688E0B449D3}" type="datetime1">
               <a:rPr lang="zh-TW" altLang="en-US" smtClean="0"/>
               <a:pPr/>
-              <a:t>2020/5/27</a:t>
+              <a:t>2020/5/30</a:t>
             </a:fld>
             <a:endParaRPr lang="zh-TW" altLang="en-US"/>
           </a:p>
@@ -11163,7 +12234,7 @@
             <a:fld id="{A4F910E6-8D00-4BAF-8C48-9688E0B449D3}" type="datetime1">
               <a:rPr lang="zh-TW" altLang="en-US" smtClean="0"/>
               <a:pPr/>
-              <a:t>2020/5/27</a:t>
+              <a:t>2020/5/30</a:t>
             </a:fld>
             <a:endParaRPr lang="zh-TW" altLang="en-US"/>
           </a:p>
@@ -11500,7 +12571,7 @@
             <a:fld id="{A4F910E6-8D00-4BAF-8C48-9688E0B449D3}" type="datetime1">
               <a:rPr lang="zh-TW" altLang="en-US" smtClean="0"/>
               <a:pPr/>
-              <a:t>2020/5/27</a:t>
+              <a:t>2020/5/30</a:t>
             </a:fld>
             <a:endParaRPr lang="zh-TW" altLang="en-US"/>
           </a:p>
